--- a/Project Documents/Matt_Garbett_IMS.pptx
+++ b/Project Documents/Matt_Garbett_IMS.pptx
@@ -768,7 +768,37 @@
           <a:bodyPr/>
           <a:lstStyle/>
           <a:p>
-            <a:endParaRPr lang="en-GB"/>
+            <a:r>
+              <a:rPr lang="en-GB" sz="2000" dirty="0"/>
+              <a:t>Hello My name is Matthew Garbett I’m a trainee software developer at QA academy</a:t>
+            </a:r>
+          </a:p>
+          <a:p>
+            <a:endParaRPr lang="en-GB" sz="2000" dirty="0"/>
+          </a:p>
+          <a:p>
+            <a:r>
+              <a:rPr lang="en-GB" sz="2000" dirty="0"/>
+              <a:t>Today I wanted to give you an overview of how I’ve approached and completed the inventory management system project</a:t>
+            </a:r>
+          </a:p>
+          <a:p>
+            <a:endParaRPr lang="en-GB" sz="2000" dirty="0"/>
+          </a:p>
+          <a:p>
+            <a:r>
+              <a:rPr lang="en-GB" sz="2000" dirty="0"/>
+              <a:t>For this I focused on the following</a:t>
+            </a:r>
+          </a:p>
+          <a:p>
+            <a:endParaRPr lang="en-GB" sz="2000" dirty="0"/>
+          </a:p>
+          <a:p>
+            <a:r>
+              <a:rPr lang="en-GB" sz="2000" dirty="0"/>
+              <a:t>30-1 minutes</a:t>
+            </a:r>
           </a:p>
         </p:txBody>
       </p:sp>
@@ -852,7 +882,28 @@
           <a:bodyPr/>
           <a:lstStyle/>
           <a:p>
-            <a:endParaRPr lang="en-GB"/>
+            <a:r>
+              <a:rPr lang="en-GB" sz="2000" dirty="0"/>
+              <a:t>Moving onto my consultant journey</a:t>
+            </a:r>
+          </a:p>
+          <a:p>
+            <a:endParaRPr lang="en-GB" sz="2000" dirty="0"/>
+          </a:p>
+          <a:p>
+            <a:r>
+              <a:rPr lang="en-GB" sz="2000" dirty="0"/>
+              <a:t>To complete the application I used the following</a:t>
+            </a:r>
+          </a:p>
+          <a:p>
+            <a:endParaRPr lang="en-GB" sz="2000" dirty="0"/>
+          </a:p>
+          <a:p>
+            <a:r>
+              <a:rPr lang="en-GB" sz="2000" dirty="0"/>
+              <a:t>1 minute</a:t>
+            </a:r>
           </a:p>
         </p:txBody>
       </p:sp>
@@ -936,7 +987,10 @@
           <a:bodyPr/>
           <a:lstStyle/>
           <a:p>
-            <a:endParaRPr lang="en-GB"/>
+            <a:r>
+              <a:rPr lang="en-GB" sz="2400" dirty="0"/>
+              <a:t>Understanding how important continuous integration is to a successful project my approach was the following</a:t>
+            </a:r>
           </a:p>
         </p:txBody>
       </p:sp>
@@ -1020,7 +1074,19 @@
           <a:bodyPr/>
           <a:lstStyle/>
           <a:p>
-            <a:endParaRPr lang="en-GB"/>
+            <a:r>
+              <a:rPr lang="en-GB" sz="2400" dirty="0"/>
+              <a:t>Looking at Test coverage I used Junit testing to test methods and Mockito to fake functionality</a:t>
+            </a:r>
+          </a:p>
+          <a:p>
+            <a:endParaRPr lang="en-GB" sz="2400" dirty="0"/>
+          </a:p>
+          <a:p>
+            <a:r>
+              <a:rPr lang="en-GB" sz="2400" dirty="0"/>
+              <a:t>This allowed me to see what the test methods were expecting and therefore made it easier to adjust to test them</a:t>
+            </a:r>
           </a:p>
         </p:txBody>
       </p:sp>
@@ -1104,7 +1170,27 @@
           <a:bodyPr/>
           <a:lstStyle/>
           <a:p>
-            <a:endParaRPr lang="en-GB"/>
+            <a:r>
+              <a:rPr lang="en-GB" sz="1800" dirty="0"/>
+              <a:t>Create item with price etc</a:t>
+            </a:r>
+          </a:p>
+          <a:p>
+            <a:endParaRPr lang="en-GB" sz="1800" dirty="0"/>
+          </a:p>
+          <a:p>
+            <a:r>
+              <a:rPr lang="en-GB" sz="1800" dirty="0"/>
+              <a:t>For the demonstration I will be using a local </a:t>
+            </a:r>
+            <a:r>
+              <a:rPr lang="en-GB" sz="1800" dirty="0" err="1"/>
+              <a:t>Myql</a:t>
+            </a:r>
+            <a:r>
+              <a:rPr lang="en-GB" sz="1800" dirty="0"/>
+              <a:t> workbench to add to the database as I had issues connecting to GCP, this will be discussed in later slides</a:t>
+            </a:r>
           </a:p>
         </p:txBody>
       </p:sp>
@@ -1188,7 +1274,10 @@
           <a:bodyPr/>
           <a:lstStyle/>
           <a:p>
-            <a:endParaRPr lang="en-GB"/>
+            <a:r>
+              <a:rPr lang="en-GB" sz="2000" dirty="0"/>
+              <a:t>Looking back at the project I was able to complete all the user stories and set off with the risk assessment </a:t>
+            </a:r>
           </a:p>
         </p:txBody>
       </p:sp>
@@ -8174,7 +8263,7 @@
         </p:blipFill>
         <p:spPr>
           <a:xfrm>
-            <a:off x="7538530" y="1553247"/>
+            <a:off x="7884941" y="1431254"/>
             <a:ext cx="4075437" cy="2983554"/>
           </a:xfrm>
           <a:prstGeom prst="rect">
@@ -8868,7 +8957,7 @@
               <a:rPr lang="en-GB" dirty="0">
                 <a:effectLst/>
               </a:rPr>
-              <a:t>For future projects I now understand that the time taken to complete some tasks was underestimated</a:t>
+              <a:t>For future projects allocate more time to certain tasks</a:t>
             </a:r>
           </a:p>
           <a:p>
